--- a/slides/2_logistic_regression.pptx
+++ b/slides/2_logistic_regression.pptx
@@ -5,7 +5,7 @@
     <p:sldMasterId id="2147483648" r:id="rId1"/>
   </p:sldMasterIdLst>
   <p:notesMasterIdLst>
-    <p:notesMasterId r:id="rId10"/>
+    <p:notesMasterId r:id="rId9"/>
   </p:notesMasterIdLst>
   <p:sldIdLst>
     <p:sldId id="257" r:id="rId2"/>
@@ -15,7 +15,6 @@
     <p:sldId id="261" r:id="rId6"/>
     <p:sldId id="262" r:id="rId7"/>
     <p:sldId id="263" r:id="rId8"/>
-    <p:sldId id="265" r:id="rId9"/>
   </p:sldIdLst>
   <p:sldSz cx="12192000" cy="6858000"/>
   <p:notesSz cx="6858000" cy="9144000"/>
@@ -122,6 +121,268 @@
 </p:presentation>
 </file>
 
+<file path=ppt/changesInfos/changesInfo1.xml><?xml version="1.0" encoding="utf-8"?>
+<pc:chgInfo xmlns:a="http://schemas.openxmlformats.org/drawingml/2006/main" xmlns:r="http://schemas.openxmlformats.org/officeDocument/2006/relationships" xmlns:ac="http://schemas.microsoft.com/office/drawing/2013/main/command" xmlns:pc="http://schemas.microsoft.com/office/powerpoint/2013/main/command">
+  <pc:docChgLst>
+    <pc:chgData name="Robbin Bouwmeester" userId="1dbfebabfc25a55a" providerId="LiveId" clId="{C28FFFC6-7817-4280-A54D-6E4220C56EDD}"/>
+    <pc:docChg chg="custSel delSld modSld">
+      <pc:chgData name="Robbin Bouwmeester" userId="1dbfebabfc25a55a" providerId="LiveId" clId="{C28FFFC6-7817-4280-A54D-6E4220C56EDD}" dt="2024-11-16T15:39:00.147" v="8" actId="47"/>
+      <pc:docMkLst>
+        <pc:docMk/>
+      </pc:docMkLst>
+      <pc:sldChg chg="delSp mod">
+        <pc:chgData name="Robbin Bouwmeester" userId="1dbfebabfc25a55a" providerId="LiveId" clId="{C28FFFC6-7817-4280-A54D-6E4220C56EDD}" dt="2024-11-16T15:38:32.177" v="0" actId="478"/>
+        <pc:sldMkLst>
+          <pc:docMk/>
+          <pc:sldMk cId="1744993155" sldId="257"/>
+        </pc:sldMkLst>
+        <pc:spChg chg="del">
+          <ac:chgData name="Robbin Bouwmeester" userId="1dbfebabfc25a55a" providerId="LiveId" clId="{C28FFFC6-7817-4280-A54D-6E4220C56EDD}" dt="2024-11-16T15:38:32.177" v="0" actId="478"/>
+          <ac:spMkLst>
+            <pc:docMk/>
+            <pc:sldMk cId="1744993155" sldId="257"/>
+            <ac:spMk id="3" creationId="{40A94AF4-DC3B-3217-3293-008264D6580E}"/>
+          </ac:spMkLst>
+        </pc:spChg>
+        <pc:picChg chg="del">
+          <ac:chgData name="Robbin Bouwmeester" userId="1dbfebabfc25a55a" providerId="LiveId" clId="{C28FFFC6-7817-4280-A54D-6E4220C56EDD}" dt="2024-11-16T15:38:32.177" v="0" actId="478"/>
+          <ac:picMkLst>
+            <pc:docMk/>
+            <pc:sldMk cId="1744993155" sldId="257"/>
+            <ac:picMk id="4" creationId="{82E07971-7BE9-34BE-E4BE-4AE3DB538FFC}"/>
+          </ac:picMkLst>
+        </pc:picChg>
+        <pc:cxnChg chg="del">
+          <ac:chgData name="Robbin Bouwmeester" userId="1dbfebabfc25a55a" providerId="LiveId" clId="{C28FFFC6-7817-4280-A54D-6E4220C56EDD}" dt="2024-11-16T15:38:32.177" v="0" actId="478"/>
+          <ac:cxnSpMkLst>
+            <pc:docMk/>
+            <pc:sldMk cId="1744993155" sldId="257"/>
+            <ac:cxnSpMk id="5" creationId="{3CE4BD04-A710-12E7-7207-F4DAFC0461FB}"/>
+          </ac:cxnSpMkLst>
+        </pc:cxnChg>
+      </pc:sldChg>
+      <pc:sldChg chg="delSp mod">
+        <pc:chgData name="Robbin Bouwmeester" userId="1dbfebabfc25a55a" providerId="LiveId" clId="{C28FFFC6-7817-4280-A54D-6E4220C56EDD}" dt="2024-11-16T15:38:34.958" v="1" actId="478"/>
+        <pc:sldMkLst>
+          <pc:docMk/>
+          <pc:sldMk cId="4149993461" sldId="258"/>
+        </pc:sldMkLst>
+        <pc:spChg chg="del">
+          <ac:chgData name="Robbin Bouwmeester" userId="1dbfebabfc25a55a" providerId="LiveId" clId="{C28FFFC6-7817-4280-A54D-6E4220C56EDD}" dt="2024-11-16T15:38:34.958" v="1" actId="478"/>
+          <ac:spMkLst>
+            <pc:docMk/>
+            <pc:sldMk cId="4149993461" sldId="258"/>
+            <ac:spMk id="5" creationId="{3DFFB61E-428F-77C2-EBD6-8902ABD68B86}"/>
+          </ac:spMkLst>
+        </pc:spChg>
+        <pc:picChg chg="del">
+          <ac:chgData name="Robbin Bouwmeester" userId="1dbfebabfc25a55a" providerId="LiveId" clId="{C28FFFC6-7817-4280-A54D-6E4220C56EDD}" dt="2024-11-16T15:38:34.958" v="1" actId="478"/>
+          <ac:picMkLst>
+            <pc:docMk/>
+            <pc:sldMk cId="4149993461" sldId="258"/>
+            <ac:picMk id="6" creationId="{A798337F-774E-0829-94AA-2E9E53C7018A}"/>
+          </ac:picMkLst>
+        </pc:picChg>
+        <pc:cxnChg chg="del">
+          <ac:chgData name="Robbin Bouwmeester" userId="1dbfebabfc25a55a" providerId="LiveId" clId="{C28FFFC6-7817-4280-A54D-6E4220C56EDD}" dt="2024-11-16T15:38:34.958" v="1" actId="478"/>
+          <ac:cxnSpMkLst>
+            <pc:docMk/>
+            <pc:sldMk cId="4149993461" sldId="258"/>
+            <ac:cxnSpMk id="7" creationId="{F8829E8F-E008-B84C-4A8A-02FAFFE40FE3}"/>
+          </ac:cxnSpMkLst>
+        </pc:cxnChg>
+      </pc:sldChg>
+      <pc:sldChg chg="delSp mod">
+        <pc:chgData name="Robbin Bouwmeester" userId="1dbfebabfc25a55a" providerId="LiveId" clId="{C28FFFC6-7817-4280-A54D-6E4220C56EDD}" dt="2024-11-16T15:38:37.111" v="2" actId="478"/>
+        <pc:sldMkLst>
+          <pc:docMk/>
+          <pc:sldMk cId="3255972120" sldId="259"/>
+        </pc:sldMkLst>
+        <pc:spChg chg="del">
+          <ac:chgData name="Robbin Bouwmeester" userId="1dbfebabfc25a55a" providerId="LiveId" clId="{C28FFFC6-7817-4280-A54D-6E4220C56EDD}" dt="2024-11-16T15:38:37.111" v="2" actId="478"/>
+          <ac:spMkLst>
+            <pc:docMk/>
+            <pc:sldMk cId="3255972120" sldId="259"/>
+            <ac:spMk id="7" creationId="{9761A74E-9609-B5C5-5DF1-5D406D5CE757}"/>
+          </ac:spMkLst>
+        </pc:spChg>
+        <pc:picChg chg="del">
+          <ac:chgData name="Robbin Bouwmeester" userId="1dbfebabfc25a55a" providerId="LiveId" clId="{C28FFFC6-7817-4280-A54D-6E4220C56EDD}" dt="2024-11-16T15:38:37.111" v="2" actId="478"/>
+          <ac:picMkLst>
+            <pc:docMk/>
+            <pc:sldMk cId="3255972120" sldId="259"/>
+            <ac:picMk id="8" creationId="{7D646860-BA0C-C9F3-23CD-07AB9F0EB9CA}"/>
+          </ac:picMkLst>
+        </pc:picChg>
+        <pc:cxnChg chg="del">
+          <ac:chgData name="Robbin Bouwmeester" userId="1dbfebabfc25a55a" providerId="LiveId" clId="{C28FFFC6-7817-4280-A54D-6E4220C56EDD}" dt="2024-11-16T15:38:37.111" v="2" actId="478"/>
+          <ac:cxnSpMkLst>
+            <pc:docMk/>
+            <pc:sldMk cId="3255972120" sldId="259"/>
+            <ac:cxnSpMk id="9" creationId="{C8FC4946-B70D-AEFE-B87C-910B9A0AAA4D}"/>
+          </ac:cxnSpMkLst>
+        </pc:cxnChg>
+      </pc:sldChg>
+      <pc:sldChg chg="delSp mod">
+        <pc:chgData name="Robbin Bouwmeester" userId="1dbfebabfc25a55a" providerId="LiveId" clId="{C28FFFC6-7817-4280-A54D-6E4220C56EDD}" dt="2024-11-16T15:38:38.911" v="3" actId="478"/>
+        <pc:sldMkLst>
+          <pc:docMk/>
+          <pc:sldMk cId="2866331159" sldId="260"/>
+        </pc:sldMkLst>
+        <pc:spChg chg="del">
+          <ac:chgData name="Robbin Bouwmeester" userId="1dbfebabfc25a55a" providerId="LiveId" clId="{C28FFFC6-7817-4280-A54D-6E4220C56EDD}" dt="2024-11-16T15:38:38.911" v="3" actId="478"/>
+          <ac:spMkLst>
+            <pc:docMk/>
+            <pc:sldMk cId="2866331159" sldId="260"/>
+            <ac:spMk id="6" creationId="{83B95A54-C16F-15DC-DA7C-284EC7DB2AC7}"/>
+          </ac:spMkLst>
+        </pc:spChg>
+        <pc:picChg chg="del">
+          <ac:chgData name="Robbin Bouwmeester" userId="1dbfebabfc25a55a" providerId="LiveId" clId="{C28FFFC6-7817-4280-A54D-6E4220C56EDD}" dt="2024-11-16T15:38:38.911" v="3" actId="478"/>
+          <ac:picMkLst>
+            <pc:docMk/>
+            <pc:sldMk cId="2866331159" sldId="260"/>
+            <ac:picMk id="7" creationId="{DE2F6603-4A2A-896B-A094-F917E2EBE642}"/>
+          </ac:picMkLst>
+        </pc:picChg>
+        <pc:cxnChg chg="del">
+          <ac:chgData name="Robbin Bouwmeester" userId="1dbfebabfc25a55a" providerId="LiveId" clId="{C28FFFC6-7817-4280-A54D-6E4220C56EDD}" dt="2024-11-16T15:38:38.911" v="3" actId="478"/>
+          <ac:cxnSpMkLst>
+            <pc:docMk/>
+            <pc:sldMk cId="2866331159" sldId="260"/>
+            <ac:cxnSpMk id="8" creationId="{B69BF266-CEE9-DFA2-4D7D-7C260C9D0EFD}"/>
+          </ac:cxnSpMkLst>
+        </pc:cxnChg>
+      </pc:sldChg>
+      <pc:sldChg chg="delSp mod">
+        <pc:chgData name="Robbin Bouwmeester" userId="1dbfebabfc25a55a" providerId="LiveId" clId="{C28FFFC6-7817-4280-A54D-6E4220C56EDD}" dt="2024-11-16T15:38:41.356" v="4" actId="478"/>
+        <pc:sldMkLst>
+          <pc:docMk/>
+          <pc:sldMk cId="556409808" sldId="261"/>
+        </pc:sldMkLst>
+        <pc:spChg chg="del">
+          <ac:chgData name="Robbin Bouwmeester" userId="1dbfebabfc25a55a" providerId="LiveId" clId="{C28FFFC6-7817-4280-A54D-6E4220C56EDD}" dt="2024-11-16T15:38:41.356" v="4" actId="478"/>
+          <ac:spMkLst>
+            <pc:docMk/>
+            <pc:sldMk cId="556409808" sldId="261"/>
+            <ac:spMk id="8" creationId="{0B087025-9466-BCCF-DB98-7495017EDAFE}"/>
+          </ac:spMkLst>
+        </pc:spChg>
+        <pc:picChg chg="del">
+          <ac:chgData name="Robbin Bouwmeester" userId="1dbfebabfc25a55a" providerId="LiveId" clId="{C28FFFC6-7817-4280-A54D-6E4220C56EDD}" dt="2024-11-16T15:38:41.356" v="4" actId="478"/>
+          <ac:picMkLst>
+            <pc:docMk/>
+            <pc:sldMk cId="556409808" sldId="261"/>
+            <ac:picMk id="9" creationId="{D0EAD90F-CBF9-07AC-C35A-93669C8B2EFC}"/>
+          </ac:picMkLst>
+        </pc:picChg>
+        <pc:cxnChg chg="del">
+          <ac:chgData name="Robbin Bouwmeester" userId="1dbfebabfc25a55a" providerId="LiveId" clId="{C28FFFC6-7817-4280-A54D-6E4220C56EDD}" dt="2024-11-16T15:38:41.356" v="4" actId="478"/>
+          <ac:cxnSpMkLst>
+            <pc:docMk/>
+            <pc:sldMk cId="556409808" sldId="261"/>
+            <ac:cxnSpMk id="10" creationId="{DC2901BC-4813-F1E2-267B-C0E65B10DF31}"/>
+          </ac:cxnSpMkLst>
+        </pc:cxnChg>
+      </pc:sldChg>
+      <pc:sldChg chg="delSp mod">
+        <pc:chgData name="Robbin Bouwmeester" userId="1dbfebabfc25a55a" providerId="LiveId" clId="{C28FFFC6-7817-4280-A54D-6E4220C56EDD}" dt="2024-11-16T15:38:43.778" v="5" actId="478"/>
+        <pc:sldMkLst>
+          <pc:docMk/>
+          <pc:sldMk cId="4282199305" sldId="262"/>
+        </pc:sldMkLst>
+        <pc:spChg chg="del">
+          <ac:chgData name="Robbin Bouwmeester" userId="1dbfebabfc25a55a" providerId="LiveId" clId="{C28FFFC6-7817-4280-A54D-6E4220C56EDD}" dt="2024-11-16T15:38:43.778" v="5" actId="478"/>
+          <ac:spMkLst>
+            <pc:docMk/>
+            <pc:sldMk cId="4282199305" sldId="262"/>
+            <ac:spMk id="8" creationId="{1666A9EB-C25E-5D05-8C9D-DE4E61A1E294}"/>
+          </ac:spMkLst>
+        </pc:spChg>
+        <pc:picChg chg="del">
+          <ac:chgData name="Robbin Bouwmeester" userId="1dbfebabfc25a55a" providerId="LiveId" clId="{C28FFFC6-7817-4280-A54D-6E4220C56EDD}" dt="2024-11-16T15:38:43.778" v="5" actId="478"/>
+          <ac:picMkLst>
+            <pc:docMk/>
+            <pc:sldMk cId="4282199305" sldId="262"/>
+            <ac:picMk id="9" creationId="{1771BA48-FF52-05AE-C27D-D8CD5EE635EE}"/>
+          </ac:picMkLst>
+        </pc:picChg>
+        <pc:cxnChg chg="del">
+          <ac:chgData name="Robbin Bouwmeester" userId="1dbfebabfc25a55a" providerId="LiveId" clId="{C28FFFC6-7817-4280-A54D-6E4220C56EDD}" dt="2024-11-16T15:38:43.778" v="5" actId="478"/>
+          <ac:cxnSpMkLst>
+            <pc:docMk/>
+            <pc:sldMk cId="4282199305" sldId="262"/>
+            <ac:cxnSpMk id="10" creationId="{6045CA31-6706-24FF-87C6-C4FF1250B9C6}"/>
+          </ac:cxnSpMkLst>
+        </pc:cxnChg>
+      </pc:sldChg>
+      <pc:sldChg chg="delSp mod">
+        <pc:chgData name="Robbin Bouwmeester" userId="1dbfebabfc25a55a" providerId="LiveId" clId="{C28FFFC6-7817-4280-A54D-6E4220C56EDD}" dt="2024-11-16T15:38:45.983" v="6" actId="478"/>
+        <pc:sldMkLst>
+          <pc:docMk/>
+          <pc:sldMk cId="2749873298" sldId="263"/>
+        </pc:sldMkLst>
+        <pc:spChg chg="del">
+          <ac:chgData name="Robbin Bouwmeester" userId="1dbfebabfc25a55a" providerId="LiveId" clId="{C28FFFC6-7817-4280-A54D-6E4220C56EDD}" dt="2024-11-16T15:38:45.983" v="6" actId="478"/>
+          <ac:spMkLst>
+            <pc:docMk/>
+            <pc:sldMk cId="2749873298" sldId="263"/>
+            <ac:spMk id="4" creationId="{D03F419B-8623-7F68-0A9C-86317B1A4A39}"/>
+          </ac:spMkLst>
+        </pc:spChg>
+        <pc:picChg chg="del">
+          <ac:chgData name="Robbin Bouwmeester" userId="1dbfebabfc25a55a" providerId="LiveId" clId="{C28FFFC6-7817-4280-A54D-6E4220C56EDD}" dt="2024-11-16T15:38:45.983" v="6" actId="478"/>
+          <ac:picMkLst>
+            <pc:docMk/>
+            <pc:sldMk cId="2749873298" sldId="263"/>
+            <ac:picMk id="7" creationId="{140F279D-E307-0CD6-4EA3-4CB83064DF0E}"/>
+          </ac:picMkLst>
+        </pc:picChg>
+        <pc:cxnChg chg="del">
+          <ac:chgData name="Robbin Bouwmeester" userId="1dbfebabfc25a55a" providerId="LiveId" clId="{C28FFFC6-7817-4280-A54D-6E4220C56EDD}" dt="2024-11-16T15:38:45.983" v="6" actId="478"/>
+          <ac:cxnSpMkLst>
+            <pc:docMk/>
+            <pc:sldMk cId="2749873298" sldId="263"/>
+            <ac:cxnSpMk id="9" creationId="{92DCDC03-ABE4-E7F0-49BF-8891DB722F1F}"/>
+          </ac:cxnSpMkLst>
+        </pc:cxnChg>
+      </pc:sldChg>
+      <pc:sldChg chg="delSp del mod">
+        <pc:chgData name="Robbin Bouwmeester" userId="1dbfebabfc25a55a" providerId="LiveId" clId="{C28FFFC6-7817-4280-A54D-6E4220C56EDD}" dt="2024-11-16T15:39:00.147" v="8" actId="47"/>
+        <pc:sldMkLst>
+          <pc:docMk/>
+          <pc:sldMk cId="3129767606" sldId="265"/>
+        </pc:sldMkLst>
+        <pc:spChg chg="del">
+          <ac:chgData name="Robbin Bouwmeester" userId="1dbfebabfc25a55a" providerId="LiveId" clId="{C28FFFC6-7817-4280-A54D-6E4220C56EDD}" dt="2024-11-16T15:38:48.833" v="7" actId="478"/>
+          <ac:spMkLst>
+            <pc:docMk/>
+            <pc:sldMk cId="3129767606" sldId="265"/>
+            <ac:spMk id="6" creationId="{FC8CB6FA-53B7-9665-AD26-57779C9E49D5}"/>
+          </ac:spMkLst>
+        </pc:spChg>
+        <pc:picChg chg="del">
+          <ac:chgData name="Robbin Bouwmeester" userId="1dbfebabfc25a55a" providerId="LiveId" clId="{C28FFFC6-7817-4280-A54D-6E4220C56EDD}" dt="2024-11-16T15:38:48.833" v="7" actId="478"/>
+          <ac:picMkLst>
+            <pc:docMk/>
+            <pc:sldMk cId="3129767606" sldId="265"/>
+            <ac:picMk id="7" creationId="{6E5DB986-482E-D385-C954-60DE8EAEB4BB}"/>
+          </ac:picMkLst>
+        </pc:picChg>
+        <pc:cxnChg chg="del">
+          <ac:chgData name="Robbin Bouwmeester" userId="1dbfebabfc25a55a" providerId="LiveId" clId="{C28FFFC6-7817-4280-A54D-6E4220C56EDD}" dt="2024-11-16T15:38:48.833" v="7" actId="478"/>
+          <ac:cxnSpMkLst>
+            <pc:docMk/>
+            <pc:sldMk cId="3129767606" sldId="265"/>
+            <ac:cxnSpMk id="8" creationId="{C2ADBE06-56BB-9BA8-8A1D-8F08844CCE41}"/>
+          </ac:cxnSpMkLst>
+        </pc:cxnChg>
+      </pc:sldChg>
+    </pc:docChg>
+  </pc:docChgLst>
+</pc:chgInfo>
+</file>
+
 <file path=ppt/notesMasters/notesMaster1.xml><?xml version="1.0" encoding="utf-8"?>
 <p:notesMaster xmlns:a="http://schemas.openxmlformats.org/drawingml/2006/main" xmlns:r="http://schemas.openxmlformats.org/officeDocument/2006/relationships" xmlns:p="http://schemas.openxmlformats.org/presentationml/2006/main">
   <p:cSld>
@@ -204,7 +465,7 @@
           <a:p>
             <a:fld id="{5E9E4307-97E3-48E4-B22B-3E65CE2A671E}" type="datetimeFigureOut">
               <a:rPr lang="en-GB" smtClean="0"/>
-              <a:t>14/04/2023</a:t>
+              <a:t>16/11/2024</a:t>
             </a:fld>
             <a:endParaRPr lang="en-GB"/>
           </a:p>
@@ -880,7 +1141,7 @@
           <a:p>
             <a:fld id="{3D4C3592-CF2E-41CC-9324-DF0416BA06CC}" type="datetimeFigureOut">
               <a:rPr lang="en-GB" smtClean="0"/>
-              <a:t>14/04/2023</a:t>
+              <a:t>16/11/2024</a:t>
             </a:fld>
             <a:endParaRPr lang="en-GB"/>
           </a:p>
@@ -1050,7 +1311,7 @@
           <a:p>
             <a:fld id="{3D4C3592-CF2E-41CC-9324-DF0416BA06CC}" type="datetimeFigureOut">
               <a:rPr lang="en-GB" smtClean="0"/>
-              <a:t>14/04/2023</a:t>
+              <a:t>16/11/2024</a:t>
             </a:fld>
             <a:endParaRPr lang="en-GB"/>
           </a:p>
@@ -1230,7 +1491,7 @@
           <a:p>
             <a:fld id="{3D4C3592-CF2E-41CC-9324-DF0416BA06CC}" type="datetimeFigureOut">
               <a:rPr lang="en-GB" smtClean="0"/>
-              <a:t>14/04/2023</a:t>
+              <a:t>16/11/2024</a:t>
             </a:fld>
             <a:endParaRPr lang="en-GB"/>
           </a:p>
@@ -1400,7 +1661,7 @@
           <a:p>
             <a:fld id="{3D4C3592-CF2E-41CC-9324-DF0416BA06CC}" type="datetimeFigureOut">
               <a:rPr lang="en-GB" smtClean="0"/>
-              <a:t>14/04/2023</a:t>
+              <a:t>16/11/2024</a:t>
             </a:fld>
             <a:endParaRPr lang="en-GB"/>
           </a:p>
@@ -1646,7 +1907,7 @@
           <a:p>
             <a:fld id="{3D4C3592-CF2E-41CC-9324-DF0416BA06CC}" type="datetimeFigureOut">
               <a:rPr lang="en-GB" smtClean="0"/>
-              <a:t>14/04/2023</a:t>
+              <a:t>16/11/2024</a:t>
             </a:fld>
             <a:endParaRPr lang="en-GB"/>
           </a:p>
@@ -1878,7 +2139,7 @@
           <a:p>
             <a:fld id="{3D4C3592-CF2E-41CC-9324-DF0416BA06CC}" type="datetimeFigureOut">
               <a:rPr lang="en-GB" smtClean="0"/>
-              <a:t>14/04/2023</a:t>
+              <a:t>16/11/2024</a:t>
             </a:fld>
             <a:endParaRPr lang="en-GB"/>
           </a:p>
@@ -2245,7 +2506,7 @@
           <a:p>
             <a:fld id="{3D4C3592-CF2E-41CC-9324-DF0416BA06CC}" type="datetimeFigureOut">
               <a:rPr lang="en-GB" smtClean="0"/>
-              <a:t>14/04/2023</a:t>
+              <a:t>16/11/2024</a:t>
             </a:fld>
             <a:endParaRPr lang="en-GB"/>
           </a:p>
@@ -2363,7 +2624,7 @@
           <a:p>
             <a:fld id="{3D4C3592-CF2E-41CC-9324-DF0416BA06CC}" type="datetimeFigureOut">
               <a:rPr lang="en-GB" smtClean="0"/>
-              <a:t>14/04/2023</a:t>
+              <a:t>16/11/2024</a:t>
             </a:fld>
             <a:endParaRPr lang="en-GB"/>
           </a:p>
@@ -2458,7 +2719,7 @@
           <a:p>
             <a:fld id="{3D4C3592-CF2E-41CC-9324-DF0416BA06CC}" type="datetimeFigureOut">
               <a:rPr lang="en-GB" smtClean="0"/>
-              <a:t>14/04/2023</a:t>
+              <a:t>16/11/2024</a:t>
             </a:fld>
             <a:endParaRPr lang="en-GB"/>
           </a:p>
@@ -2735,7 +2996,7 @@
           <a:p>
             <a:fld id="{3D4C3592-CF2E-41CC-9324-DF0416BA06CC}" type="datetimeFigureOut">
               <a:rPr lang="en-GB" smtClean="0"/>
-              <a:t>14/04/2023</a:t>
+              <a:t>16/11/2024</a:t>
             </a:fld>
             <a:endParaRPr lang="en-GB"/>
           </a:p>
@@ -2988,7 +3249,7 @@
           <a:p>
             <a:fld id="{3D4C3592-CF2E-41CC-9324-DF0416BA06CC}" type="datetimeFigureOut">
               <a:rPr lang="en-GB" smtClean="0"/>
-              <a:t>14/04/2023</a:t>
+              <a:t>16/11/2024</a:t>
             </a:fld>
             <a:endParaRPr lang="en-GB"/>
           </a:p>
@@ -3201,7 +3462,7 @@
           <a:p>
             <a:fld id="{3D4C3592-CF2E-41CC-9324-DF0416BA06CC}" type="datetimeFigureOut">
               <a:rPr lang="en-GB" smtClean="0"/>
-              <a:t>14/04/2023</a:t>
+              <a:t>16/11/2024</a:t>
             </a:fld>
             <a:endParaRPr lang="en-GB"/>
           </a:p>
@@ -3916,140 +4177,6 @@
           </a:p>
         </p:txBody>
       </p:sp>
-      <p:sp>
-        <p:nvSpPr>
-          <p:cNvPr id="3" name="TextBox 2">
-            <a:extLst>
-              <a:ext uri="{FF2B5EF4-FFF2-40B4-BE49-F238E27FC236}">
-                <a16:creationId xmlns:a16="http://schemas.microsoft.com/office/drawing/2014/main" id="{40A94AF4-DC3B-3217-3293-008264D6580E}"/>
-              </a:ext>
-            </a:extLst>
-          </p:cNvPr>
-          <p:cNvSpPr txBox="1"/>
-          <p:nvPr/>
-        </p:nvSpPr>
-        <p:spPr>
-          <a:xfrm>
-            <a:off x="66907" y="6550223"/>
-            <a:ext cx="12059052" cy="276999"/>
-          </a:xfrm>
-          <a:prstGeom prst="rect">
-            <a:avLst/>
-          </a:prstGeom>
-          <a:noFill/>
-        </p:spPr>
-        <p:txBody>
-          <a:bodyPr wrap="square">
-            <a:spAutoFit/>
-          </a:bodyPr>
-          <a:lstStyle/>
-          <a:p>
-            <a:pPr algn="ctr"/>
-            <a:r>
-              <a:rPr lang="en-GB" sz="1200" dirty="0">
-                <a:solidFill>
-                  <a:schemeClr val="bg2">
-                    <a:lumMod val="75000"/>
-                  </a:schemeClr>
-                </a:solidFill>
-              </a:rPr>
-              <a:t>Machine Learning Methods for Biomedical Data (D012554)</a:t>
-            </a:r>
-            <a:r>
-              <a:rPr lang="nl-BE" sz="1200" dirty="0">
-                <a:solidFill>
-                  <a:schemeClr val="bg2">
-                    <a:lumMod val="75000"/>
-                  </a:schemeClr>
-                </a:solidFill>
-              </a:rPr>
-              <a:t> </a:t>
-            </a:r>
-            <a:endParaRPr lang="LID4096" sz="1200" dirty="0">
-              <a:solidFill>
-                <a:schemeClr val="bg2">
-                  <a:lumMod val="75000"/>
-                </a:schemeClr>
-              </a:solidFill>
-            </a:endParaRPr>
-          </a:p>
-        </p:txBody>
-      </p:sp>
-      <p:pic>
-        <p:nvPicPr>
-          <p:cNvPr id="4" name="Picture 3">
-            <a:extLst>
-              <a:ext uri="{FF2B5EF4-FFF2-40B4-BE49-F238E27FC236}">
-                <a16:creationId xmlns:a16="http://schemas.microsoft.com/office/drawing/2014/main" id="{82E07971-7BE9-34BE-E4BE-4AE3DB538FFC}"/>
-              </a:ext>
-            </a:extLst>
-          </p:cNvPr>
-          <p:cNvPicPr>
-            <a:picLocks noChangeAspect="1"/>
-          </p:cNvPicPr>
-          <p:nvPr/>
-        </p:nvPicPr>
-        <p:blipFill>
-          <a:blip r:embed="rId5"/>
-          <a:stretch>
-            <a:fillRect/>
-          </a:stretch>
-        </p:blipFill>
-        <p:spPr>
-          <a:xfrm>
-            <a:off x="66041" y="6286237"/>
-            <a:ext cx="549743" cy="527971"/>
-          </a:xfrm>
-          <a:prstGeom prst="rect">
-            <a:avLst/>
-          </a:prstGeom>
-        </p:spPr>
-      </p:pic>
-      <p:cxnSp>
-        <p:nvCxnSpPr>
-          <p:cNvPr id="5" name="Straight Connector 4">
-            <a:extLst>
-              <a:ext uri="{FF2B5EF4-FFF2-40B4-BE49-F238E27FC236}">
-                <a16:creationId xmlns:a16="http://schemas.microsoft.com/office/drawing/2014/main" id="{3CE4BD04-A710-12E7-7207-F4DAFC0461FB}"/>
-              </a:ext>
-            </a:extLst>
-          </p:cNvPr>
-          <p:cNvCxnSpPr>
-            <a:cxnSpLocks/>
-          </p:cNvCxnSpPr>
-          <p:nvPr/>
-        </p:nvCxnSpPr>
-        <p:spPr>
-          <a:xfrm flipV="1">
-            <a:off x="599056" y="6544646"/>
-            <a:ext cx="11405231" cy="1"/>
-          </a:xfrm>
-          <a:prstGeom prst="line">
-            <a:avLst/>
-          </a:prstGeom>
-          <a:ln>
-            <a:solidFill>
-              <a:schemeClr val="bg2">
-                <a:lumMod val="75000"/>
-              </a:schemeClr>
-            </a:solidFill>
-          </a:ln>
-        </p:spPr>
-        <p:style>
-          <a:lnRef idx="1">
-            <a:schemeClr val="accent1"/>
-          </a:lnRef>
-          <a:fillRef idx="0">
-            <a:schemeClr val="accent1"/>
-          </a:fillRef>
-          <a:effectRef idx="0">
-            <a:schemeClr val="accent1"/>
-          </a:effectRef>
-          <a:fontRef idx="minor">
-            <a:schemeClr val="tx1"/>
-          </a:fontRef>
-        </p:style>
-      </p:cxnSp>
     </p:spTree>
     <p:extLst>
       <p:ext uri="{BB962C8B-B14F-4D97-AF65-F5344CB8AC3E}">
@@ -4390,140 +4517,6 @@
           </a:p>
         </p:txBody>
       </p:sp>
-      <p:sp>
-        <p:nvSpPr>
-          <p:cNvPr id="5" name="TextBox 4">
-            <a:extLst>
-              <a:ext uri="{FF2B5EF4-FFF2-40B4-BE49-F238E27FC236}">
-                <a16:creationId xmlns:a16="http://schemas.microsoft.com/office/drawing/2014/main" id="{3DFFB61E-428F-77C2-EBD6-8902ABD68B86}"/>
-              </a:ext>
-            </a:extLst>
-          </p:cNvPr>
-          <p:cNvSpPr txBox="1"/>
-          <p:nvPr/>
-        </p:nvSpPr>
-        <p:spPr>
-          <a:xfrm>
-            <a:off x="66907" y="6550223"/>
-            <a:ext cx="12059052" cy="276999"/>
-          </a:xfrm>
-          <a:prstGeom prst="rect">
-            <a:avLst/>
-          </a:prstGeom>
-          <a:noFill/>
-        </p:spPr>
-        <p:txBody>
-          <a:bodyPr wrap="square">
-            <a:spAutoFit/>
-          </a:bodyPr>
-          <a:lstStyle/>
-          <a:p>
-            <a:pPr algn="ctr"/>
-            <a:r>
-              <a:rPr lang="en-GB" sz="1200" dirty="0">
-                <a:solidFill>
-                  <a:schemeClr val="bg2">
-                    <a:lumMod val="75000"/>
-                  </a:schemeClr>
-                </a:solidFill>
-              </a:rPr>
-              <a:t>Machine Learning Methods for Biomedical Data (D012554)</a:t>
-            </a:r>
-            <a:r>
-              <a:rPr lang="nl-BE" sz="1200" dirty="0">
-                <a:solidFill>
-                  <a:schemeClr val="bg2">
-                    <a:lumMod val="75000"/>
-                  </a:schemeClr>
-                </a:solidFill>
-              </a:rPr>
-              <a:t> </a:t>
-            </a:r>
-            <a:endParaRPr lang="LID4096" sz="1200" dirty="0">
-              <a:solidFill>
-                <a:schemeClr val="bg2">
-                  <a:lumMod val="75000"/>
-                </a:schemeClr>
-              </a:solidFill>
-            </a:endParaRPr>
-          </a:p>
-        </p:txBody>
-      </p:sp>
-      <p:pic>
-        <p:nvPicPr>
-          <p:cNvPr id="6" name="Picture 5">
-            <a:extLst>
-              <a:ext uri="{FF2B5EF4-FFF2-40B4-BE49-F238E27FC236}">
-                <a16:creationId xmlns:a16="http://schemas.microsoft.com/office/drawing/2014/main" id="{A798337F-774E-0829-94AA-2E9E53C7018A}"/>
-              </a:ext>
-            </a:extLst>
-          </p:cNvPr>
-          <p:cNvPicPr>
-            <a:picLocks noChangeAspect="1"/>
-          </p:cNvPicPr>
-          <p:nvPr/>
-        </p:nvPicPr>
-        <p:blipFill>
-          <a:blip r:embed="rId4"/>
-          <a:stretch>
-            <a:fillRect/>
-          </a:stretch>
-        </p:blipFill>
-        <p:spPr>
-          <a:xfrm>
-            <a:off x="66041" y="6286237"/>
-            <a:ext cx="549743" cy="527971"/>
-          </a:xfrm>
-          <a:prstGeom prst="rect">
-            <a:avLst/>
-          </a:prstGeom>
-        </p:spPr>
-      </p:pic>
-      <p:cxnSp>
-        <p:nvCxnSpPr>
-          <p:cNvPr id="7" name="Straight Connector 6">
-            <a:extLst>
-              <a:ext uri="{FF2B5EF4-FFF2-40B4-BE49-F238E27FC236}">
-                <a16:creationId xmlns:a16="http://schemas.microsoft.com/office/drawing/2014/main" id="{F8829E8F-E008-B84C-4A8A-02FAFFE40FE3}"/>
-              </a:ext>
-            </a:extLst>
-          </p:cNvPr>
-          <p:cNvCxnSpPr>
-            <a:cxnSpLocks/>
-          </p:cNvCxnSpPr>
-          <p:nvPr/>
-        </p:nvCxnSpPr>
-        <p:spPr>
-          <a:xfrm flipV="1">
-            <a:off x="599056" y="6544646"/>
-            <a:ext cx="11405231" cy="1"/>
-          </a:xfrm>
-          <a:prstGeom prst="line">
-            <a:avLst/>
-          </a:prstGeom>
-          <a:ln>
-            <a:solidFill>
-              <a:schemeClr val="bg2">
-                <a:lumMod val="75000"/>
-              </a:schemeClr>
-            </a:solidFill>
-          </a:ln>
-        </p:spPr>
-        <p:style>
-          <a:lnRef idx="1">
-            <a:schemeClr val="accent1"/>
-          </a:lnRef>
-          <a:fillRef idx="0">
-            <a:schemeClr val="accent1"/>
-          </a:fillRef>
-          <a:effectRef idx="0">
-            <a:schemeClr val="accent1"/>
-          </a:effectRef>
-          <a:fontRef idx="minor">
-            <a:schemeClr val="tx1"/>
-          </a:fontRef>
-        </p:style>
-      </p:cxnSp>
     </p:spTree>
     <p:extLst>
       <p:ext uri="{BB962C8B-B14F-4D97-AF65-F5344CB8AC3E}">
@@ -4694,140 +4687,6 @@
           </a:p>
         </p:txBody>
       </p:sp>
-      <p:sp>
-        <p:nvSpPr>
-          <p:cNvPr id="7" name="TextBox 6">
-            <a:extLst>
-              <a:ext uri="{FF2B5EF4-FFF2-40B4-BE49-F238E27FC236}">
-                <a16:creationId xmlns:a16="http://schemas.microsoft.com/office/drawing/2014/main" id="{9761A74E-9609-B5C5-5DF1-5D406D5CE757}"/>
-              </a:ext>
-            </a:extLst>
-          </p:cNvPr>
-          <p:cNvSpPr txBox="1"/>
-          <p:nvPr/>
-        </p:nvSpPr>
-        <p:spPr>
-          <a:xfrm>
-            <a:off x="66907" y="6550223"/>
-            <a:ext cx="12059052" cy="276999"/>
-          </a:xfrm>
-          <a:prstGeom prst="rect">
-            <a:avLst/>
-          </a:prstGeom>
-          <a:noFill/>
-        </p:spPr>
-        <p:txBody>
-          <a:bodyPr wrap="square">
-            <a:spAutoFit/>
-          </a:bodyPr>
-          <a:lstStyle/>
-          <a:p>
-            <a:pPr algn="ctr"/>
-            <a:r>
-              <a:rPr lang="en-GB" sz="1200" dirty="0">
-                <a:solidFill>
-                  <a:schemeClr val="bg2">
-                    <a:lumMod val="75000"/>
-                  </a:schemeClr>
-                </a:solidFill>
-              </a:rPr>
-              <a:t>Machine Learning Methods for Biomedical Data (D012554)</a:t>
-            </a:r>
-            <a:r>
-              <a:rPr lang="nl-BE" sz="1200" dirty="0">
-                <a:solidFill>
-                  <a:schemeClr val="bg2">
-                    <a:lumMod val="75000"/>
-                  </a:schemeClr>
-                </a:solidFill>
-              </a:rPr>
-              <a:t> </a:t>
-            </a:r>
-            <a:endParaRPr lang="LID4096" sz="1200" dirty="0">
-              <a:solidFill>
-                <a:schemeClr val="bg2">
-                  <a:lumMod val="75000"/>
-                </a:schemeClr>
-              </a:solidFill>
-            </a:endParaRPr>
-          </a:p>
-        </p:txBody>
-      </p:sp>
-      <p:pic>
-        <p:nvPicPr>
-          <p:cNvPr id="8" name="Picture 7">
-            <a:extLst>
-              <a:ext uri="{FF2B5EF4-FFF2-40B4-BE49-F238E27FC236}">
-                <a16:creationId xmlns:a16="http://schemas.microsoft.com/office/drawing/2014/main" id="{7D646860-BA0C-C9F3-23CD-07AB9F0EB9CA}"/>
-              </a:ext>
-            </a:extLst>
-          </p:cNvPr>
-          <p:cNvPicPr>
-            <a:picLocks noChangeAspect="1"/>
-          </p:cNvPicPr>
-          <p:nvPr/>
-        </p:nvPicPr>
-        <p:blipFill>
-          <a:blip r:embed="rId6"/>
-          <a:stretch>
-            <a:fillRect/>
-          </a:stretch>
-        </p:blipFill>
-        <p:spPr>
-          <a:xfrm>
-            <a:off x="66041" y="6286237"/>
-            <a:ext cx="549743" cy="527971"/>
-          </a:xfrm>
-          <a:prstGeom prst="rect">
-            <a:avLst/>
-          </a:prstGeom>
-        </p:spPr>
-      </p:pic>
-      <p:cxnSp>
-        <p:nvCxnSpPr>
-          <p:cNvPr id="9" name="Straight Connector 8">
-            <a:extLst>
-              <a:ext uri="{FF2B5EF4-FFF2-40B4-BE49-F238E27FC236}">
-                <a16:creationId xmlns:a16="http://schemas.microsoft.com/office/drawing/2014/main" id="{C8FC4946-B70D-AEFE-B87C-910B9A0AAA4D}"/>
-              </a:ext>
-            </a:extLst>
-          </p:cNvPr>
-          <p:cNvCxnSpPr>
-            <a:cxnSpLocks/>
-          </p:cNvCxnSpPr>
-          <p:nvPr/>
-        </p:nvCxnSpPr>
-        <p:spPr>
-          <a:xfrm flipV="1">
-            <a:off x="599056" y="6544646"/>
-            <a:ext cx="11405231" cy="1"/>
-          </a:xfrm>
-          <a:prstGeom prst="line">
-            <a:avLst/>
-          </a:prstGeom>
-          <a:ln>
-            <a:solidFill>
-              <a:schemeClr val="bg2">
-                <a:lumMod val="75000"/>
-              </a:schemeClr>
-            </a:solidFill>
-          </a:ln>
-        </p:spPr>
-        <p:style>
-          <a:lnRef idx="1">
-            <a:schemeClr val="accent1"/>
-          </a:lnRef>
-          <a:fillRef idx="0">
-            <a:schemeClr val="accent1"/>
-          </a:fillRef>
-          <a:effectRef idx="0">
-            <a:schemeClr val="accent1"/>
-          </a:effectRef>
-          <a:fontRef idx="minor">
-            <a:schemeClr val="tx1"/>
-          </a:fontRef>
-        </p:style>
-      </p:cxnSp>
     </p:spTree>
     <p:extLst>
       <p:ext uri="{BB962C8B-B14F-4D97-AF65-F5344CB8AC3E}">
@@ -4950,140 +4809,6 @@
           </a:p>
         </p:txBody>
       </p:sp>
-      <p:sp>
-        <p:nvSpPr>
-          <p:cNvPr id="6" name="TextBox 5">
-            <a:extLst>
-              <a:ext uri="{FF2B5EF4-FFF2-40B4-BE49-F238E27FC236}">
-                <a16:creationId xmlns:a16="http://schemas.microsoft.com/office/drawing/2014/main" id="{83B95A54-C16F-15DC-DA7C-284EC7DB2AC7}"/>
-              </a:ext>
-            </a:extLst>
-          </p:cNvPr>
-          <p:cNvSpPr txBox="1"/>
-          <p:nvPr/>
-        </p:nvSpPr>
-        <p:spPr>
-          <a:xfrm>
-            <a:off x="66907" y="6550223"/>
-            <a:ext cx="12059052" cy="276999"/>
-          </a:xfrm>
-          <a:prstGeom prst="rect">
-            <a:avLst/>
-          </a:prstGeom>
-          <a:noFill/>
-        </p:spPr>
-        <p:txBody>
-          <a:bodyPr wrap="square">
-            <a:spAutoFit/>
-          </a:bodyPr>
-          <a:lstStyle/>
-          <a:p>
-            <a:pPr algn="ctr"/>
-            <a:r>
-              <a:rPr lang="en-GB" sz="1200" dirty="0">
-                <a:solidFill>
-                  <a:schemeClr val="bg2">
-                    <a:lumMod val="75000"/>
-                  </a:schemeClr>
-                </a:solidFill>
-              </a:rPr>
-              <a:t>Machine Learning Methods for Biomedical Data (D012554)</a:t>
-            </a:r>
-            <a:r>
-              <a:rPr lang="nl-BE" sz="1200" dirty="0">
-                <a:solidFill>
-                  <a:schemeClr val="bg2">
-                    <a:lumMod val="75000"/>
-                  </a:schemeClr>
-                </a:solidFill>
-              </a:rPr>
-              <a:t> </a:t>
-            </a:r>
-            <a:endParaRPr lang="LID4096" sz="1200" dirty="0">
-              <a:solidFill>
-                <a:schemeClr val="bg2">
-                  <a:lumMod val="75000"/>
-                </a:schemeClr>
-              </a:solidFill>
-            </a:endParaRPr>
-          </a:p>
-        </p:txBody>
-      </p:sp>
-      <p:pic>
-        <p:nvPicPr>
-          <p:cNvPr id="7" name="Picture 6">
-            <a:extLst>
-              <a:ext uri="{FF2B5EF4-FFF2-40B4-BE49-F238E27FC236}">
-                <a16:creationId xmlns:a16="http://schemas.microsoft.com/office/drawing/2014/main" id="{DE2F6603-4A2A-896B-A094-F917E2EBE642}"/>
-              </a:ext>
-            </a:extLst>
-          </p:cNvPr>
-          <p:cNvPicPr>
-            <a:picLocks noChangeAspect="1"/>
-          </p:cNvPicPr>
-          <p:nvPr/>
-        </p:nvPicPr>
-        <p:blipFill>
-          <a:blip r:embed="rId4"/>
-          <a:stretch>
-            <a:fillRect/>
-          </a:stretch>
-        </p:blipFill>
-        <p:spPr>
-          <a:xfrm>
-            <a:off x="66041" y="6286237"/>
-            <a:ext cx="549743" cy="527971"/>
-          </a:xfrm>
-          <a:prstGeom prst="rect">
-            <a:avLst/>
-          </a:prstGeom>
-        </p:spPr>
-      </p:pic>
-      <p:cxnSp>
-        <p:nvCxnSpPr>
-          <p:cNvPr id="8" name="Straight Connector 7">
-            <a:extLst>
-              <a:ext uri="{FF2B5EF4-FFF2-40B4-BE49-F238E27FC236}">
-                <a16:creationId xmlns:a16="http://schemas.microsoft.com/office/drawing/2014/main" id="{B69BF266-CEE9-DFA2-4D7D-7C260C9D0EFD}"/>
-              </a:ext>
-            </a:extLst>
-          </p:cNvPr>
-          <p:cNvCxnSpPr>
-            <a:cxnSpLocks/>
-          </p:cNvCxnSpPr>
-          <p:nvPr/>
-        </p:nvCxnSpPr>
-        <p:spPr>
-          <a:xfrm flipV="1">
-            <a:off x="599056" y="6544646"/>
-            <a:ext cx="11405231" cy="1"/>
-          </a:xfrm>
-          <a:prstGeom prst="line">
-            <a:avLst/>
-          </a:prstGeom>
-          <a:ln>
-            <a:solidFill>
-              <a:schemeClr val="bg2">
-                <a:lumMod val="75000"/>
-              </a:schemeClr>
-            </a:solidFill>
-          </a:ln>
-        </p:spPr>
-        <p:style>
-          <a:lnRef idx="1">
-            <a:schemeClr val="accent1"/>
-          </a:lnRef>
-          <a:fillRef idx="0">
-            <a:schemeClr val="accent1"/>
-          </a:fillRef>
-          <a:effectRef idx="0">
-            <a:schemeClr val="accent1"/>
-          </a:effectRef>
-          <a:fontRef idx="minor">
-            <a:schemeClr val="tx1"/>
-          </a:fontRef>
-        </p:style>
-      </p:cxnSp>
     </p:spTree>
     <p:extLst>
       <p:ext uri="{BB962C8B-B14F-4D97-AF65-F5344CB8AC3E}">
@@ -5218,140 +4943,6 @@
           </a:prstGeom>
         </p:spPr>
       </p:pic>
-      <p:sp>
-        <p:nvSpPr>
-          <p:cNvPr id="8" name="TextBox 7">
-            <a:extLst>
-              <a:ext uri="{FF2B5EF4-FFF2-40B4-BE49-F238E27FC236}">
-                <a16:creationId xmlns:a16="http://schemas.microsoft.com/office/drawing/2014/main" id="{0B087025-9466-BCCF-DB98-7495017EDAFE}"/>
-              </a:ext>
-            </a:extLst>
-          </p:cNvPr>
-          <p:cNvSpPr txBox="1"/>
-          <p:nvPr/>
-        </p:nvSpPr>
-        <p:spPr>
-          <a:xfrm>
-            <a:off x="66907" y="6550223"/>
-            <a:ext cx="12059052" cy="276999"/>
-          </a:xfrm>
-          <a:prstGeom prst="rect">
-            <a:avLst/>
-          </a:prstGeom>
-          <a:noFill/>
-        </p:spPr>
-        <p:txBody>
-          <a:bodyPr wrap="square">
-            <a:spAutoFit/>
-          </a:bodyPr>
-          <a:lstStyle/>
-          <a:p>
-            <a:pPr algn="ctr"/>
-            <a:r>
-              <a:rPr lang="en-GB" sz="1200" dirty="0">
-                <a:solidFill>
-                  <a:schemeClr val="bg2">
-                    <a:lumMod val="75000"/>
-                  </a:schemeClr>
-                </a:solidFill>
-              </a:rPr>
-              <a:t>Machine Learning Methods for Biomedical Data (D012554)</a:t>
-            </a:r>
-            <a:r>
-              <a:rPr lang="nl-BE" sz="1200" dirty="0">
-                <a:solidFill>
-                  <a:schemeClr val="bg2">
-                    <a:lumMod val="75000"/>
-                  </a:schemeClr>
-                </a:solidFill>
-              </a:rPr>
-              <a:t> </a:t>
-            </a:r>
-            <a:endParaRPr lang="LID4096" sz="1200" dirty="0">
-              <a:solidFill>
-                <a:schemeClr val="bg2">
-                  <a:lumMod val="75000"/>
-                </a:schemeClr>
-              </a:solidFill>
-            </a:endParaRPr>
-          </a:p>
-        </p:txBody>
-      </p:sp>
-      <p:pic>
-        <p:nvPicPr>
-          <p:cNvPr id="9" name="Picture 8">
-            <a:extLst>
-              <a:ext uri="{FF2B5EF4-FFF2-40B4-BE49-F238E27FC236}">
-                <a16:creationId xmlns:a16="http://schemas.microsoft.com/office/drawing/2014/main" id="{D0EAD90F-CBF9-07AC-C35A-93669C8B2EFC}"/>
-              </a:ext>
-            </a:extLst>
-          </p:cNvPr>
-          <p:cNvPicPr>
-            <a:picLocks noChangeAspect="1"/>
-          </p:cNvPicPr>
-          <p:nvPr/>
-        </p:nvPicPr>
-        <p:blipFill>
-          <a:blip r:embed="rId5"/>
-          <a:stretch>
-            <a:fillRect/>
-          </a:stretch>
-        </p:blipFill>
-        <p:spPr>
-          <a:xfrm>
-            <a:off x="66041" y="6286237"/>
-            <a:ext cx="549743" cy="527971"/>
-          </a:xfrm>
-          <a:prstGeom prst="rect">
-            <a:avLst/>
-          </a:prstGeom>
-        </p:spPr>
-      </p:pic>
-      <p:cxnSp>
-        <p:nvCxnSpPr>
-          <p:cNvPr id="10" name="Straight Connector 9">
-            <a:extLst>
-              <a:ext uri="{FF2B5EF4-FFF2-40B4-BE49-F238E27FC236}">
-                <a16:creationId xmlns:a16="http://schemas.microsoft.com/office/drawing/2014/main" id="{DC2901BC-4813-F1E2-267B-C0E65B10DF31}"/>
-              </a:ext>
-            </a:extLst>
-          </p:cNvPr>
-          <p:cNvCxnSpPr>
-            <a:cxnSpLocks/>
-          </p:cNvCxnSpPr>
-          <p:nvPr/>
-        </p:nvCxnSpPr>
-        <p:spPr>
-          <a:xfrm flipV="1">
-            <a:off x="599056" y="6544646"/>
-            <a:ext cx="11405231" cy="1"/>
-          </a:xfrm>
-          <a:prstGeom prst="line">
-            <a:avLst/>
-          </a:prstGeom>
-          <a:ln>
-            <a:solidFill>
-              <a:schemeClr val="bg2">
-                <a:lumMod val="75000"/>
-              </a:schemeClr>
-            </a:solidFill>
-          </a:ln>
-        </p:spPr>
-        <p:style>
-          <a:lnRef idx="1">
-            <a:schemeClr val="accent1"/>
-          </a:lnRef>
-          <a:fillRef idx="0">
-            <a:schemeClr val="accent1"/>
-          </a:fillRef>
-          <a:effectRef idx="0">
-            <a:schemeClr val="accent1"/>
-          </a:effectRef>
-          <a:fontRef idx="minor">
-            <a:schemeClr val="tx1"/>
-          </a:fontRef>
-        </p:style>
-      </p:cxnSp>
     </p:spTree>
     <p:extLst>
       <p:ext uri="{BB962C8B-B14F-4D97-AF65-F5344CB8AC3E}">
@@ -5486,140 +5077,6 @@
           </a:prstGeom>
         </p:spPr>
       </p:pic>
-      <p:sp>
-        <p:nvSpPr>
-          <p:cNvPr id="8" name="TextBox 7">
-            <a:extLst>
-              <a:ext uri="{FF2B5EF4-FFF2-40B4-BE49-F238E27FC236}">
-                <a16:creationId xmlns:a16="http://schemas.microsoft.com/office/drawing/2014/main" id="{1666A9EB-C25E-5D05-8C9D-DE4E61A1E294}"/>
-              </a:ext>
-            </a:extLst>
-          </p:cNvPr>
-          <p:cNvSpPr txBox="1"/>
-          <p:nvPr/>
-        </p:nvSpPr>
-        <p:spPr>
-          <a:xfrm>
-            <a:off x="66907" y="6550223"/>
-            <a:ext cx="12059052" cy="276999"/>
-          </a:xfrm>
-          <a:prstGeom prst="rect">
-            <a:avLst/>
-          </a:prstGeom>
-          <a:noFill/>
-        </p:spPr>
-        <p:txBody>
-          <a:bodyPr wrap="square">
-            <a:spAutoFit/>
-          </a:bodyPr>
-          <a:lstStyle/>
-          <a:p>
-            <a:pPr algn="ctr"/>
-            <a:r>
-              <a:rPr lang="en-GB" sz="1200" dirty="0">
-                <a:solidFill>
-                  <a:schemeClr val="bg2">
-                    <a:lumMod val="75000"/>
-                  </a:schemeClr>
-                </a:solidFill>
-              </a:rPr>
-              <a:t>Machine Learning Methods for Biomedical Data (D012554)</a:t>
-            </a:r>
-            <a:r>
-              <a:rPr lang="nl-BE" sz="1200" dirty="0">
-                <a:solidFill>
-                  <a:schemeClr val="bg2">
-                    <a:lumMod val="75000"/>
-                  </a:schemeClr>
-                </a:solidFill>
-              </a:rPr>
-              <a:t> </a:t>
-            </a:r>
-            <a:endParaRPr lang="LID4096" sz="1200" dirty="0">
-              <a:solidFill>
-                <a:schemeClr val="bg2">
-                  <a:lumMod val="75000"/>
-                </a:schemeClr>
-              </a:solidFill>
-            </a:endParaRPr>
-          </a:p>
-        </p:txBody>
-      </p:sp>
-      <p:pic>
-        <p:nvPicPr>
-          <p:cNvPr id="9" name="Picture 8">
-            <a:extLst>
-              <a:ext uri="{FF2B5EF4-FFF2-40B4-BE49-F238E27FC236}">
-                <a16:creationId xmlns:a16="http://schemas.microsoft.com/office/drawing/2014/main" id="{1771BA48-FF52-05AE-C27D-D8CD5EE635EE}"/>
-              </a:ext>
-            </a:extLst>
-          </p:cNvPr>
-          <p:cNvPicPr>
-            <a:picLocks noChangeAspect="1"/>
-          </p:cNvPicPr>
-          <p:nvPr/>
-        </p:nvPicPr>
-        <p:blipFill>
-          <a:blip r:embed="rId4"/>
-          <a:stretch>
-            <a:fillRect/>
-          </a:stretch>
-        </p:blipFill>
-        <p:spPr>
-          <a:xfrm>
-            <a:off x="66041" y="6286237"/>
-            <a:ext cx="549743" cy="527971"/>
-          </a:xfrm>
-          <a:prstGeom prst="rect">
-            <a:avLst/>
-          </a:prstGeom>
-        </p:spPr>
-      </p:pic>
-      <p:cxnSp>
-        <p:nvCxnSpPr>
-          <p:cNvPr id="10" name="Straight Connector 9">
-            <a:extLst>
-              <a:ext uri="{FF2B5EF4-FFF2-40B4-BE49-F238E27FC236}">
-                <a16:creationId xmlns:a16="http://schemas.microsoft.com/office/drawing/2014/main" id="{6045CA31-6706-24FF-87C6-C4FF1250B9C6}"/>
-              </a:ext>
-            </a:extLst>
-          </p:cNvPr>
-          <p:cNvCxnSpPr>
-            <a:cxnSpLocks/>
-          </p:cNvCxnSpPr>
-          <p:nvPr/>
-        </p:nvCxnSpPr>
-        <p:spPr>
-          <a:xfrm flipV="1">
-            <a:off x="599056" y="6544646"/>
-            <a:ext cx="11405231" cy="1"/>
-          </a:xfrm>
-          <a:prstGeom prst="line">
-            <a:avLst/>
-          </a:prstGeom>
-          <a:ln>
-            <a:solidFill>
-              <a:schemeClr val="bg2">
-                <a:lumMod val="75000"/>
-              </a:schemeClr>
-            </a:solidFill>
-          </a:ln>
-        </p:spPr>
-        <p:style>
-          <a:lnRef idx="1">
-            <a:schemeClr val="accent1"/>
-          </a:lnRef>
-          <a:fillRef idx="0">
-            <a:schemeClr val="accent1"/>
-          </a:fillRef>
-          <a:effectRef idx="0">
-            <a:schemeClr val="accent1"/>
-          </a:effectRef>
-          <a:fontRef idx="minor">
-            <a:schemeClr val="tx1"/>
-          </a:fontRef>
-        </p:style>
-      </p:cxnSp>
     </p:spTree>
     <p:extLst>
       <p:ext uri="{BB962C8B-B14F-4D97-AF65-F5344CB8AC3E}">
@@ -5858,477 +5315,10 @@
           </a:p>
         </p:txBody>
       </p:sp>
-      <p:sp>
-        <p:nvSpPr>
-          <p:cNvPr id="4" name="TextBox 3">
-            <a:extLst>
-              <a:ext uri="{FF2B5EF4-FFF2-40B4-BE49-F238E27FC236}">
-                <a16:creationId xmlns:a16="http://schemas.microsoft.com/office/drawing/2014/main" id="{D03F419B-8623-7F68-0A9C-86317B1A4A39}"/>
-              </a:ext>
-            </a:extLst>
-          </p:cNvPr>
-          <p:cNvSpPr txBox="1"/>
-          <p:nvPr/>
-        </p:nvSpPr>
-        <p:spPr>
-          <a:xfrm>
-            <a:off x="66907" y="6550223"/>
-            <a:ext cx="12059052" cy="276999"/>
-          </a:xfrm>
-          <a:prstGeom prst="rect">
-            <a:avLst/>
-          </a:prstGeom>
-          <a:noFill/>
-        </p:spPr>
-        <p:txBody>
-          <a:bodyPr wrap="square">
-            <a:spAutoFit/>
-          </a:bodyPr>
-          <a:lstStyle/>
-          <a:p>
-            <a:pPr algn="ctr"/>
-            <a:r>
-              <a:rPr lang="en-GB" sz="1200" dirty="0">
-                <a:solidFill>
-                  <a:schemeClr val="bg2">
-                    <a:lumMod val="75000"/>
-                  </a:schemeClr>
-                </a:solidFill>
-              </a:rPr>
-              <a:t>Machine Learning Methods for Biomedical Data (D012554)</a:t>
-            </a:r>
-            <a:r>
-              <a:rPr lang="nl-BE" sz="1200" dirty="0">
-                <a:solidFill>
-                  <a:schemeClr val="bg2">
-                    <a:lumMod val="75000"/>
-                  </a:schemeClr>
-                </a:solidFill>
-              </a:rPr>
-              <a:t> </a:t>
-            </a:r>
-            <a:endParaRPr lang="LID4096" sz="1200" dirty="0">
-              <a:solidFill>
-                <a:schemeClr val="bg2">
-                  <a:lumMod val="75000"/>
-                </a:schemeClr>
-              </a:solidFill>
-            </a:endParaRPr>
-          </a:p>
-        </p:txBody>
-      </p:sp>
-      <p:pic>
-        <p:nvPicPr>
-          <p:cNvPr id="7" name="Picture 6">
-            <a:extLst>
-              <a:ext uri="{FF2B5EF4-FFF2-40B4-BE49-F238E27FC236}">
-                <a16:creationId xmlns:a16="http://schemas.microsoft.com/office/drawing/2014/main" id="{140F279D-E307-0CD6-4EA3-4CB83064DF0E}"/>
-              </a:ext>
-            </a:extLst>
-          </p:cNvPr>
-          <p:cNvPicPr>
-            <a:picLocks noChangeAspect="1"/>
-          </p:cNvPicPr>
-          <p:nvPr/>
-        </p:nvPicPr>
-        <p:blipFill>
-          <a:blip r:embed="rId6"/>
-          <a:stretch>
-            <a:fillRect/>
-          </a:stretch>
-        </p:blipFill>
-        <p:spPr>
-          <a:xfrm>
-            <a:off x="66041" y="6286237"/>
-            <a:ext cx="549743" cy="527971"/>
-          </a:xfrm>
-          <a:prstGeom prst="rect">
-            <a:avLst/>
-          </a:prstGeom>
-        </p:spPr>
-      </p:pic>
-      <p:cxnSp>
-        <p:nvCxnSpPr>
-          <p:cNvPr id="9" name="Straight Connector 8">
-            <a:extLst>
-              <a:ext uri="{FF2B5EF4-FFF2-40B4-BE49-F238E27FC236}">
-                <a16:creationId xmlns:a16="http://schemas.microsoft.com/office/drawing/2014/main" id="{92DCDC03-ABE4-E7F0-49BF-8891DB722F1F}"/>
-              </a:ext>
-            </a:extLst>
-          </p:cNvPr>
-          <p:cNvCxnSpPr>
-            <a:cxnSpLocks/>
-          </p:cNvCxnSpPr>
-          <p:nvPr/>
-        </p:nvCxnSpPr>
-        <p:spPr>
-          <a:xfrm flipV="1">
-            <a:off x="599056" y="6544646"/>
-            <a:ext cx="11405231" cy="1"/>
-          </a:xfrm>
-          <a:prstGeom prst="line">
-            <a:avLst/>
-          </a:prstGeom>
-          <a:ln>
-            <a:solidFill>
-              <a:schemeClr val="bg2">
-                <a:lumMod val="75000"/>
-              </a:schemeClr>
-            </a:solidFill>
-          </a:ln>
-        </p:spPr>
-        <p:style>
-          <a:lnRef idx="1">
-            <a:schemeClr val="accent1"/>
-          </a:lnRef>
-          <a:fillRef idx="0">
-            <a:schemeClr val="accent1"/>
-          </a:fillRef>
-          <a:effectRef idx="0">
-            <a:schemeClr val="accent1"/>
-          </a:effectRef>
-          <a:fontRef idx="minor">
-            <a:schemeClr val="tx1"/>
-          </a:fontRef>
-        </p:style>
-      </p:cxnSp>
     </p:spTree>
     <p:extLst>
       <p:ext uri="{BB962C8B-B14F-4D97-AF65-F5344CB8AC3E}">
         <p14:creationId xmlns:p14="http://schemas.microsoft.com/office/powerpoint/2010/main" val="2749873298"/>
-      </p:ext>
-    </p:extLst>
-  </p:cSld>
-  <p:clrMapOvr>
-    <a:masterClrMapping/>
-  </p:clrMapOvr>
-</p:sld>
-</file>
-
-<file path=ppt/slides/slide8.xml><?xml version="1.0" encoding="utf-8"?>
-<p:sld xmlns:a="http://schemas.openxmlformats.org/drawingml/2006/main" xmlns:r="http://schemas.openxmlformats.org/officeDocument/2006/relationships" xmlns:p="http://schemas.openxmlformats.org/presentationml/2006/main">
-  <p:cSld>
-    <p:spTree>
-      <p:nvGrpSpPr>
-        <p:cNvPr id="1" name=""/>
-        <p:cNvGrpSpPr/>
-        <p:nvPr/>
-      </p:nvGrpSpPr>
-      <p:grpSpPr>
-        <a:xfrm>
-          <a:off x="0" y="0"/>
-          <a:ext cx="0" cy="0"/>
-          <a:chOff x="0" y="0"/>
-          <a:chExt cx="0" cy="0"/>
-        </a:xfrm>
-      </p:grpSpPr>
-      <p:sp>
-        <p:nvSpPr>
-          <p:cNvPr id="5" name="TextBox 4">
-            <a:extLst>
-              <a:ext uri="{FF2B5EF4-FFF2-40B4-BE49-F238E27FC236}">
-                <a16:creationId xmlns:a16="http://schemas.microsoft.com/office/drawing/2014/main" id="{FAE6F726-23B7-3B84-5F02-7F8D07EF61DD}"/>
-              </a:ext>
-            </a:extLst>
-          </p:cNvPr>
-          <p:cNvSpPr txBox="1"/>
-          <p:nvPr/>
-        </p:nvSpPr>
-        <p:spPr>
-          <a:xfrm>
-            <a:off x="241301" y="129804"/>
-            <a:ext cx="11747500" cy="523220"/>
-          </a:xfrm>
-          <a:prstGeom prst="rect">
-            <a:avLst/>
-          </a:prstGeom>
-          <a:noFill/>
-        </p:spPr>
-        <p:txBody>
-          <a:bodyPr wrap="square" rtlCol="0">
-            <a:spAutoFit/>
-          </a:bodyPr>
-          <a:lstStyle/>
-          <a:p>
-            <a:r>
-              <a:rPr lang="en-US" sz="2800" dirty="0">
-                <a:latin typeface="+mj-lt"/>
-                <a:ea typeface="Lato" panose="020B0604020202020204" pitchFamily="34" charset="0"/>
-                <a:cs typeface="Helvetica" panose="020B0604020202020204" pitchFamily="34" charset="0"/>
-              </a:rPr>
-              <a:t>multiclass classification: one-against-all</a:t>
-            </a:r>
-            <a:endParaRPr lang="en-GB" sz="2800" dirty="0">
-              <a:latin typeface="+mj-lt"/>
-              <a:ea typeface="Lato" panose="020B0604020202020204" pitchFamily="34" charset="0"/>
-              <a:cs typeface="Helvetica" panose="020B0604020202020204" pitchFamily="34" charset="0"/>
-            </a:endParaRPr>
-          </a:p>
-        </p:txBody>
-      </p:sp>
-      <p:sp>
-        <p:nvSpPr>
-          <p:cNvPr id="6" name="TextBox 5">
-            <a:extLst>
-              <a:ext uri="{FF2B5EF4-FFF2-40B4-BE49-F238E27FC236}">
-                <a16:creationId xmlns:a16="http://schemas.microsoft.com/office/drawing/2014/main" id="{FC8CB6FA-53B7-9665-AD26-57779C9E49D5}"/>
-              </a:ext>
-            </a:extLst>
-          </p:cNvPr>
-          <p:cNvSpPr txBox="1"/>
-          <p:nvPr/>
-        </p:nvSpPr>
-        <p:spPr>
-          <a:xfrm>
-            <a:off x="66907" y="6550223"/>
-            <a:ext cx="12059052" cy="276999"/>
-          </a:xfrm>
-          <a:prstGeom prst="rect">
-            <a:avLst/>
-          </a:prstGeom>
-          <a:noFill/>
-        </p:spPr>
-        <p:txBody>
-          <a:bodyPr wrap="square">
-            <a:spAutoFit/>
-          </a:bodyPr>
-          <a:lstStyle/>
-          <a:p>
-            <a:pPr algn="ctr"/>
-            <a:r>
-              <a:rPr lang="en-GB" sz="1200" dirty="0">
-                <a:solidFill>
-                  <a:schemeClr val="bg2">
-                    <a:lumMod val="75000"/>
-                  </a:schemeClr>
-                </a:solidFill>
-              </a:rPr>
-              <a:t>Machine Learning Methods for Biomedical Data (D012554)</a:t>
-            </a:r>
-            <a:r>
-              <a:rPr lang="nl-BE" sz="1200" dirty="0">
-                <a:solidFill>
-                  <a:schemeClr val="bg2">
-                    <a:lumMod val="75000"/>
-                  </a:schemeClr>
-                </a:solidFill>
-              </a:rPr>
-              <a:t> </a:t>
-            </a:r>
-            <a:endParaRPr lang="LID4096" sz="1200" dirty="0">
-              <a:solidFill>
-                <a:schemeClr val="bg2">
-                  <a:lumMod val="75000"/>
-                </a:schemeClr>
-              </a:solidFill>
-            </a:endParaRPr>
-          </a:p>
-        </p:txBody>
-      </p:sp>
-      <p:pic>
-        <p:nvPicPr>
-          <p:cNvPr id="7" name="Picture 6">
-            <a:extLst>
-              <a:ext uri="{FF2B5EF4-FFF2-40B4-BE49-F238E27FC236}">
-                <a16:creationId xmlns:a16="http://schemas.microsoft.com/office/drawing/2014/main" id="{6E5DB986-482E-D385-C954-60DE8EAEB4BB}"/>
-              </a:ext>
-            </a:extLst>
-          </p:cNvPr>
-          <p:cNvPicPr>
-            <a:picLocks noChangeAspect="1"/>
-          </p:cNvPicPr>
-          <p:nvPr/>
-        </p:nvPicPr>
-        <p:blipFill>
-          <a:blip r:embed="rId2"/>
-          <a:stretch>
-            <a:fillRect/>
-          </a:stretch>
-        </p:blipFill>
-        <p:spPr>
-          <a:xfrm>
-            <a:off x="66041" y="6286237"/>
-            <a:ext cx="549743" cy="527971"/>
-          </a:xfrm>
-          <a:prstGeom prst="rect">
-            <a:avLst/>
-          </a:prstGeom>
-        </p:spPr>
-      </p:pic>
-      <p:cxnSp>
-        <p:nvCxnSpPr>
-          <p:cNvPr id="8" name="Straight Connector 7">
-            <a:extLst>
-              <a:ext uri="{FF2B5EF4-FFF2-40B4-BE49-F238E27FC236}">
-                <a16:creationId xmlns:a16="http://schemas.microsoft.com/office/drawing/2014/main" id="{C2ADBE06-56BB-9BA8-8A1D-8F08844CCE41}"/>
-              </a:ext>
-            </a:extLst>
-          </p:cNvPr>
-          <p:cNvCxnSpPr>
-            <a:cxnSpLocks/>
-          </p:cNvCxnSpPr>
-          <p:nvPr/>
-        </p:nvCxnSpPr>
-        <p:spPr>
-          <a:xfrm flipV="1">
-            <a:off x="599056" y="6544646"/>
-            <a:ext cx="11405231" cy="1"/>
-          </a:xfrm>
-          <a:prstGeom prst="line">
-            <a:avLst/>
-          </a:prstGeom>
-          <a:ln>
-            <a:solidFill>
-              <a:schemeClr val="bg2">
-                <a:lumMod val="75000"/>
-              </a:schemeClr>
-            </a:solidFill>
-          </a:ln>
-        </p:spPr>
-        <p:style>
-          <a:lnRef idx="1">
-            <a:schemeClr val="accent1"/>
-          </a:lnRef>
-          <a:fillRef idx="0">
-            <a:schemeClr val="accent1"/>
-          </a:fillRef>
-          <a:effectRef idx="0">
-            <a:schemeClr val="accent1"/>
-          </a:effectRef>
-          <a:fontRef idx="minor">
-            <a:schemeClr val="tx1"/>
-          </a:fontRef>
-        </p:style>
-      </p:cxnSp>
-      <p:pic>
-        <p:nvPicPr>
-          <p:cNvPr id="1030" name="Picture 6" descr="Multiclass Classification Using Support Vector Machines | Baeldung on  Computer Science">
-            <a:extLst>
-              <a:ext uri="{FF2B5EF4-FFF2-40B4-BE49-F238E27FC236}">
-                <a16:creationId xmlns:a16="http://schemas.microsoft.com/office/drawing/2014/main" id="{B6CF5014-0D10-E3B4-F4B7-13D91D9A20A4}"/>
-              </a:ext>
-            </a:extLst>
-          </p:cNvPr>
-          <p:cNvPicPr>
-            <a:picLocks noChangeAspect="1" noChangeArrowheads="1"/>
-          </p:cNvPicPr>
-          <p:nvPr/>
-        </p:nvPicPr>
-        <p:blipFill>
-          <a:blip r:embed="rId3">
-            <a:extLst>
-              <a:ext uri="{28A0092B-C50C-407E-A947-70E740481C1C}">
-                <a14:useLocalDpi xmlns:a14="http://schemas.microsoft.com/office/drawing/2010/main" val="0"/>
-              </a:ext>
-            </a:extLst>
-          </a:blip>
-          <a:srcRect/>
-          <a:stretch>
-            <a:fillRect/>
-          </a:stretch>
-        </p:blipFill>
-        <p:spPr bwMode="auto">
-          <a:xfrm>
-            <a:off x="5239564" y="1103406"/>
-            <a:ext cx="5454456" cy="4651187"/>
-          </a:xfrm>
-          <a:prstGeom prst="rect">
-            <a:avLst/>
-          </a:prstGeom>
-          <a:noFill/>
-          <a:extLst>
-            <a:ext uri="{909E8E84-426E-40DD-AFC4-6F175D3DCCD1}">
-              <a14:hiddenFill xmlns:a14="http://schemas.microsoft.com/office/drawing/2010/main">
-                <a:solidFill>
-                  <a:srgbClr val="FFFFFF"/>
-                </a:solidFill>
-              </a14:hiddenFill>
-            </a:ext>
-          </a:extLst>
-        </p:spPr>
-      </p:pic>
-      <p:sp>
-        <p:nvSpPr>
-          <p:cNvPr id="9" name="TextBox 8">
-            <a:extLst>
-              <a:ext uri="{FF2B5EF4-FFF2-40B4-BE49-F238E27FC236}">
-                <a16:creationId xmlns:a16="http://schemas.microsoft.com/office/drawing/2014/main" id="{6489D069-3E86-7A94-41D1-E04078D98AC9}"/>
-              </a:ext>
-            </a:extLst>
-          </p:cNvPr>
-          <p:cNvSpPr txBox="1"/>
-          <p:nvPr/>
-        </p:nvSpPr>
-        <p:spPr>
-          <a:xfrm>
-            <a:off x="599056" y="1498212"/>
-            <a:ext cx="4898495" cy="3170099"/>
-          </a:xfrm>
-          <a:prstGeom prst="rect">
-            <a:avLst/>
-          </a:prstGeom>
-          <a:noFill/>
-        </p:spPr>
-        <p:txBody>
-          <a:bodyPr wrap="square" rtlCol="0">
-            <a:spAutoFit/>
-          </a:bodyPr>
-          <a:lstStyle/>
-          <a:p>
-            <a:r>
-              <a:rPr lang="en-GB" sz="2000" dirty="0">
-                <a:latin typeface="Calibri" panose="020F0502020204030204" pitchFamily="34" charset="0"/>
-              </a:rPr>
-              <a:t>Fit a binary classifier for each class.</a:t>
-            </a:r>
-          </a:p>
-          <a:p>
-            <a:endParaRPr lang="en-GB" sz="2000" dirty="0">
-              <a:latin typeface="Calibri" panose="020F0502020204030204" pitchFamily="34" charset="0"/>
-            </a:endParaRPr>
-          </a:p>
-          <a:p>
-            <a:r>
-              <a:rPr lang="en-GB" sz="2000" dirty="0">
-                <a:latin typeface="Calibri" panose="020F0502020204030204" pitchFamily="34" charset="0"/>
-              </a:rPr>
-              <a:t>Each binary classifier computes a probability prediction.</a:t>
-            </a:r>
-          </a:p>
-          <a:p>
-            <a:endParaRPr lang="en-GB" sz="2000" dirty="0">
-              <a:latin typeface="Calibri" panose="020F0502020204030204" pitchFamily="34" charset="0"/>
-            </a:endParaRPr>
-          </a:p>
-          <a:p>
-            <a:r>
-              <a:rPr lang="en-GB" sz="2000" dirty="0">
-                <a:latin typeface="Calibri" panose="020F0502020204030204" pitchFamily="34" charset="0"/>
-              </a:rPr>
-              <a:t>The class with the highest probability is predicted.</a:t>
-            </a:r>
-          </a:p>
-          <a:p>
-            <a:endParaRPr lang="en-GB" sz="2000" dirty="0">
-              <a:latin typeface="Calibri" panose="020F0502020204030204" pitchFamily="34" charset="0"/>
-            </a:endParaRPr>
-          </a:p>
-          <a:p>
-            <a:endParaRPr lang="en-GB" sz="2000" dirty="0">
-              <a:latin typeface="Calibri" panose="020F0502020204030204" pitchFamily="34" charset="0"/>
-            </a:endParaRPr>
-          </a:p>
-          <a:p>
-            <a:endParaRPr lang="en-GB" sz="2000" dirty="0">
-              <a:latin typeface="Calibri" panose="020F0502020204030204" pitchFamily="34" charset="0"/>
-            </a:endParaRPr>
-          </a:p>
-        </p:txBody>
-      </p:sp>
-    </p:spTree>
-    <p:extLst>
-      <p:ext uri="{BB962C8B-B14F-4D97-AF65-F5344CB8AC3E}">
-        <p14:creationId xmlns:p14="http://schemas.microsoft.com/office/powerpoint/2010/main" val="3129767606"/>
       </p:ext>
     </p:extLst>
   </p:cSld>
